--- a/(宣道詩215)永遠在我心裡.pptx
+++ b/(宣道詩215)永遠在我心裡.pptx
@@ -12,7 +12,7 @@
     <p:sldId id="261" r:id="rId6"/>
     <p:sldId id="262" r:id="rId7"/>
   </p:sldIdLst>
-  <p:sldSz cx="9144000" cy="6858000" type="screen4x3"/>
+  <p:sldSz cx="9144000" cy="5143500" type="screen16x9"/>
   <p:notesSz cx="6858000" cy="9144000"/>
   <p:defaultTextStyle>
     <a:defPPr>
@@ -145,8 +145,8 @@
         </p:nvSpPr>
         <p:spPr>
           <a:xfrm>
-            <a:off x="685800" y="2130425"/>
-            <a:ext cx="7772400" cy="1470025"/>
+            <a:off x="685800" y="1597819"/>
+            <a:ext cx="7772400" cy="1102519"/>
           </a:xfrm>
         </p:spPr>
         <p:txBody>
@@ -173,8 +173,8 @@
         </p:nvSpPr>
         <p:spPr>
           <a:xfrm>
-            <a:off x="1371600" y="3886200"/>
-            <a:ext cx="6400800" cy="1752600"/>
+            <a:off x="1371600" y="2914650"/>
+            <a:ext cx="6400800" cy="1314450"/>
           </a:xfrm>
         </p:spPr>
         <p:txBody>
@@ -298,7 +298,7 @@
             <a:fld id="{B082F816-EC02-44DC-A524-356D9FDC5FDD}" type="datetimeFigureOut">
               <a:rPr lang="en-US" smtClean="0"/>
               <a:pPr/>
-              <a:t>9/24/2017</a:t>
+              <a:t>3/28/2020</a:t>
             </a:fld>
             <a:endParaRPr lang="en-US"/>
           </a:p>
@@ -472,7 +472,7 @@
             <a:fld id="{B082F816-EC02-44DC-A524-356D9FDC5FDD}" type="datetimeFigureOut">
               <a:rPr lang="en-US" smtClean="0"/>
               <a:pPr/>
-              <a:t>9/24/2017</a:t>
+              <a:t>3/28/2020</a:t>
             </a:fld>
             <a:endParaRPr lang="en-US"/>
           </a:p>
@@ -565,8 +565,8 @@
         </p:nvSpPr>
         <p:spPr>
           <a:xfrm>
-            <a:off x="6629400" y="274638"/>
-            <a:ext cx="2057400" cy="5851525"/>
+            <a:off x="6629400" y="205979"/>
+            <a:ext cx="2057400" cy="4388644"/>
           </a:xfrm>
         </p:spPr>
         <p:txBody>
@@ -593,8 +593,8 @@
         </p:nvSpPr>
         <p:spPr>
           <a:xfrm>
-            <a:off x="457200" y="274638"/>
-            <a:ext cx="6019800" cy="5851525"/>
+            <a:off x="457200" y="205979"/>
+            <a:ext cx="6019800" cy="4388644"/>
           </a:xfrm>
         </p:spPr>
         <p:txBody>
@@ -656,7 +656,7 @@
             <a:fld id="{B082F816-EC02-44DC-A524-356D9FDC5FDD}" type="datetimeFigureOut">
               <a:rPr lang="en-US" smtClean="0"/>
               <a:pPr/>
-              <a:t>9/24/2017</a:t>
+              <a:t>3/28/2020</a:t>
             </a:fld>
             <a:endParaRPr lang="en-US"/>
           </a:p>
@@ -830,7 +830,7 @@
             <a:fld id="{B082F816-EC02-44DC-A524-356D9FDC5FDD}" type="datetimeFigureOut">
               <a:rPr lang="en-US" smtClean="0"/>
               <a:pPr/>
-              <a:t>9/24/2017</a:t>
+              <a:t>3/28/2020</a:t>
             </a:fld>
             <a:endParaRPr lang="en-US"/>
           </a:p>
@@ -923,8 +923,8 @@
         </p:nvSpPr>
         <p:spPr>
           <a:xfrm>
-            <a:off x="722313" y="4406900"/>
-            <a:ext cx="7772400" cy="1362075"/>
+            <a:off x="722313" y="3305176"/>
+            <a:ext cx="7772400" cy="1021556"/>
           </a:xfrm>
         </p:spPr>
         <p:txBody>
@@ -955,8 +955,8 @@
         </p:nvSpPr>
         <p:spPr>
           <a:xfrm>
-            <a:off x="722313" y="2906713"/>
-            <a:ext cx="7772400" cy="1500187"/>
+            <a:off x="722313" y="2180035"/>
+            <a:ext cx="7772400" cy="1125140"/>
           </a:xfrm>
         </p:spPr>
         <p:txBody>
@@ -1080,7 +1080,7 @@
             <a:fld id="{B082F816-EC02-44DC-A524-356D9FDC5FDD}" type="datetimeFigureOut">
               <a:rPr lang="en-US" smtClean="0"/>
               <a:pPr/>
-              <a:t>9/24/2017</a:t>
+              <a:t>3/28/2020</a:t>
             </a:fld>
             <a:endParaRPr lang="en-US"/>
           </a:p>
@@ -1196,8 +1196,8 @@
         </p:nvSpPr>
         <p:spPr>
           <a:xfrm>
-            <a:off x="457200" y="1600200"/>
-            <a:ext cx="4038600" cy="4525963"/>
+            <a:off x="457200" y="1200151"/>
+            <a:ext cx="4038600" cy="3394472"/>
           </a:xfrm>
         </p:spPr>
         <p:txBody>
@@ -1281,8 +1281,8 @@
         </p:nvSpPr>
         <p:spPr>
           <a:xfrm>
-            <a:off x="4648200" y="1600200"/>
-            <a:ext cx="4038600" cy="4525963"/>
+            <a:off x="4648200" y="1200151"/>
+            <a:ext cx="4038600" cy="3394472"/>
           </a:xfrm>
         </p:spPr>
         <p:txBody>
@@ -1372,7 +1372,7 @@
             <a:fld id="{B082F816-EC02-44DC-A524-356D9FDC5FDD}" type="datetimeFigureOut">
               <a:rPr lang="en-US" smtClean="0"/>
               <a:pPr/>
-              <a:t>9/24/2017</a:t>
+              <a:t>3/28/2020</a:t>
             </a:fld>
             <a:endParaRPr lang="en-US"/>
           </a:p>
@@ -1492,8 +1492,8 @@
         </p:nvSpPr>
         <p:spPr>
           <a:xfrm>
-            <a:off x="457200" y="1535113"/>
-            <a:ext cx="4040188" cy="639762"/>
+            <a:off x="457200" y="1151335"/>
+            <a:ext cx="4040188" cy="479822"/>
           </a:xfrm>
         </p:spPr>
         <p:txBody>
@@ -1557,8 +1557,8 @@
         </p:nvSpPr>
         <p:spPr>
           <a:xfrm>
-            <a:off x="457200" y="2174875"/>
-            <a:ext cx="4040188" cy="3951288"/>
+            <a:off x="457200" y="1631156"/>
+            <a:ext cx="4040188" cy="2963466"/>
           </a:xfrm>
         </p:spPr>
         <p:txBody>
@@ -1642,8 +1642,8 @@
         </p:nvSpPr>
         <p:spPr>
           <a:xfrm>
-            <a:off x="4645025" y="1535113"/>
-            <a:ext cx="4041775" cy="639762"/>
+            <a:off x="4645026" y="1151335"/>
+            <a:ext cx="4041775" cy="479822"/>
           </a:xfrm>
         </p:spPr>
         <p:txBody>
@@ -1707,8 +1707,8 @@
         </p:nvSpPr>
         <p:spPr>
           <a:xfrm>
-            <a:off x="4645025" y="2174875"/>
-            <a:ext cx="4041775" cy="3951288"/>
+            <a:off x="4645026" y="1631156"/>
+            <a:ext cx="4041775" cy="2963466"/>
           </a:xfrm>
         </p:spPr>
         <p:txBody>
@@ -1798,7 +1798,7 @@
             <a:fld id="{B082F816-EC02-44DC-A524-356D9FDC5FDD}" type="datetimeFigureOut">
               <a:rPr lang="en-US" smtClean="0"/>
               <a:pPr/>
-              <a:t>9/24/2017</a:t>
+              <a:t>3/28/2020</a:t>
             </a:fld>
             <a:endParaRPr lang="en-US"/>
           </a:p>
@@ -1920,7 +1920,7 @@
             <a:fld id="{B082F816-EC02-44DC-A524-356D9FDC5FDD}" type="datetimeFigureOut">
               <a:rPr lang="en-US" smtClean="0"/>
               <a:pPr/>
-              <a:t>9/24/2017</a:t>
+              <a:t>3/28/2020</a:t>
             </a:fld>
             <a:endParaRPr lang="en-US"/>
           </a:p>
@@ -2019,7 +2019,7 @@
             <a:fld id="{B082F816-EC02-44DC-A524-356D9FDC5FDD}" type="datetimeFigureOut">
               <a:rPr lang="en-US" smtClean="0"/>
               <a:pPr/>
-              <a:t>9/24/2017</a:t>
+              <a:t>3/28/2020</a:t>
             </a:fld>
             <a:endParaRPr lang="en-US"/>
           </a:p>
@@ -2112,8 +2112,8 @@
         </p:nvSpPr>
         <p:spPr>
           <a:xfrm>
-            <a:off x="457200" y="273050"/>
-            <a:ext cx="3008313" cy="1162050"/>
+            <a:off x="457201" y="204787"/>
+            <a:ext cx="3008313" cy="871538"/>
           </a:xfrm>
         </p:spPr>
         <p:txBody>
@@ -2144,8 +2144,8 @@
         </p:nvSpPr>
         <p:spPr>
           <a:xfrm>
-            <a:off x="3575050" y="273050"/>
-            <a:ext cx="5111750" cy="5853113"/>
+            <a:off x="3575050" y="204788"/>
+            <a:ext cx="5111750" cy="4389835"/>
           </a:xfrm>
         </p:spPr>
         <p:txBody>
@@ -2229,8 +2229,8 @@
         </p:nvSpPr>
         <p:spPr>
           <a:xfrm>
-            <a:off x="457200" y="1435100"/>
-            <a:ext cx="3008313" cy="4691063"/>
+            <a:off x="457201" y="1076326"/>
+            <a:ext cx="3008313" cy="3518297"/>
           </a:xfrm>
         </p:spPr>
         <p:txBody>
@@ -2300,7 +2300,7 @@
             <a:fld id="{B082F816-EC02-44DC-A524-356D9FDC5FDD}" type="datetimeFigureOut">
               <a:rPr lang="en-US" smtClean="0"/>
               <a:pPr/>
-              <a:t>9/24/2017</a:t>
+              <a:t>3/28/2020</a:t>
             </a:fld>
             <a:endParaRPr lang="en-US"/>
           </a:p>
@@ -2393,8 +2393,8 @@
         </p:nvSpPr>
         <p:spPr>
           <a:xfrm>
-            <a:off x="1792288" y="4800600"/>
-            <a:ext cx="5486400" cy="566738"/>
+            <a:off x="1792288" y="3600450"/>
+            <a:ext cx="5486400" cy="425054"/>
           </a:xfrm>
         </p:spPr>
         <p:txBody>
@@ -2425,8 +2425,8 @@
         </p:nvSpPr>
         <p:spPr>
           <a:xfrm>
-            <a:off x="1792288" y="612775"/>
-            <a:ext cx="5486400" cy="4114800"/>
+            <a:off x="1792288" y="459581"/>
+            <a:ext cx="5486400" cy="3086100"/>
           </a:xfrm>
         </p:spPr>
         <p:txBody>
@@ -2490,8 +2490,8 @@
         </p:nvSpPr>
         <p:spPr>
           <a:xfrm>
-            <a:off x="1792288" y="5367338"/>
-            <a:ext cx="5486400" cy="804862"/>
+            <a:off x="1792288" y="4025503"/>
+            <a:ext cx="5486400" cy="603647"/>
           </a:xfrm>
         </p:spPr>
         <p:txBody>
@@ -2561,7 +2561,7 @@
             <a:fld id="{B082F816-EC02-44DC-A524-356D9FDC5FDD}" type="datetimeFigureOut">
               <a:rPr lang="en-US" smtClean="0"/>
               <a:pPr/>
-              <a:t>9/24/2017</a:t>
+              <a:t>3/28/2020</a:t>
             </a:fld>
             <a:endParaRPr lang="en-US"/>
           </a:p>
@@ -2664,8 +2664,8 @@
         </p:nvSpPr>
         <p:spPr>
           <a:xfrm>
-            <a:off x="457200" y="274638"/>
-            <a:ext cx="8229600" cy="1143000"/>
+            <a:off x="457200" y="205978"/>
+            <a:ext cx="8229600" cy="857250"/>
           </a:xfrm>
           <a:prstGeom prst="rect">
             <a:avLst/>
@@ -2697,8 +2697,8 @@
         </p:nvSpPr>
         <p:spPr>
           <a:xfrm>
-            <a:off x="457200" y="1600200"/>
-            <a:ext cx="8229600" cy="4525963"/>
+            <a:off x="457200" y="1200151"/>
+            <a:ext cx="8229600" cy="3394472"/>
           </a:xfrm>
           <a:prstGeom prst="rect">
             <a:avLst/>
@@ -2759,8 +2759,8 @@
         </p:nvSpPr>
         <p:spPr>
           <a:xfrm>
-            <a:off x="457200" y="6356350"/>
-            <a:ext cx="2133600" cy="365125"/>
+            <a:off x="457200" y="4767263"/>
+            <a:ext cx="2133600" cy="273844"/>
           </a:xfrm>
           <a:prstGeom prst="rect">
             <a:avLst/>
@@ -2783,7 +2783,7 @@
             <a:fld id="{B082F816-EC02-44DC-A524-356D9FDC5FDD}" type="datetimeFigureOut">
               <a:rPr lang="en-US" smtClean="0"/>
               <a:pPr/>
-              <a:t>9/24/2017</a:t>
+              <a:t>3/28/2020</a:t>
             </a:fld>
             <a:endParaRPr lang="en-US"/>
           </a:p>
@@ -2801,8 +2801,8 @@
         </p:nvSpPr>
         <p:spPr>
           <a:xfrm>
-            <a:off x="3124200" y="6356350"/>
-            <a:ext cx="2895600" cy="365125"/>
+            <a:off x="3124200" y="4767263"/>
+            <a:ext cx="2895600" cy="273844"/>
           </a:xfrm>
           <a:prstGeom prst="rect">
             <a:avLst/>
@@ -2838,8 +2838,8 @@
         </p:nvSpPr>
         <p:spPr>
           <a:xfrm>
-            <a:off x="6553200" y="6356350"/>
-            <a:ext cx="2133600" cy="365125"/>
+            <a:off x="6553200" y="4767263"/>
+            <a:ext cx="2133600" cy="273844"/>
           </a:xfrm>
           <a:prstGeom prst="rect">
             <a:avLst/>
@@ -3169,7 +3169,7 @@
           <p:cNvPr id="2" name="Title 1">
             <a:extLst>
               <a:ext uri="{FF2B5EF4-FFF2-40B4-BE49-F238E27FC236}">
-                <a16:creationId xmlns:a16="http://schemas.microsoft.com/office/drawing/2014/main" xmlns="" id="{AF9FD075-AEC5-4137-94C0-C4C53556BC02}"/>
+                <a16:creationId xmlns="" xmlns:a16="http://schemas.microsoft.com/office/drawing/2014/main" id="{AF9FD075-AEC5-4137-94C0-C4C53556BC02}"/>
               </a:ext>
             </a:extLst>
           </p:cNvPr>
@@ -3211,7 +3211,7 @@
           <p:cNvPr id="3" name="Content Placeholder 2">
             <a:extLst>
               <a:ext uri="{FF2B5EF4-FFF2-40B4-BE49-F238E27FC236}">
-                <a16:creationId xmlns:a16="http://schemas.microsoft.com/office/drawing/2014/main" xmlns="" id="{D8B275D4-3DA6-4D2A-BF50-7BDA9D9CE988}"/>
+                <a16:creationId xmlns="" xmlns:a16="http://schemas.microsoft.com/office/drawing/2014/main" id="{D8B275D4-3DA6-4D2A-BF50-7BDA9D9CE988}"/>
               </a:ext>
             </a:extLst>
           </p:cNvPr>
@@ -3224,8 +3224,8 @@
         </p:nvSpPr>
         <p:spPr>
           <a:xfrm>
-            <a:off x="0" y="1825625"/>
-            <a:ext cx="9144000" cy="4351338"/>
+            <a:off x="0" y="1369218"/>
+            <a:ext cx="9144000" cy="3263504"/>
           </a:xfrm>
         </p:spPr>
         <p:txBody>
@@ -3346,7 +3346,7 @@
     </p:spTree>
     <p:extLst>
       <p:ext uri="{BB962C8B-B14F-4D97-AF65-F5344CB8AC3E}">
-        <p14:creationId xmlns:p14="http://schemas.microsoft.com/office/powerpoint/2010/main" xmlns="" val="835851580"/>
+        <p14:creationId xmlns="" xmlns:p14="http://schemas.microsoft.com/office/powerpoint/2010/main" val="835851580"/>
       </p:ext>
     </p:extLst>
   </p:cSld>
@@ -3378,7 +3378,7 @@
           <p:cNvPr id="2" name="Title 1">
             <a:extLst>
               <a:ext uri="{FF2B5EF4-FFF2-40B4-BE49-F238E27FC236}">
-                <a16:creationId xmlns:a16="http://schemas.microsoft.com/office/drawing/2014/main" xmlns="" id="{AF9FD075-AEC5-4137-94C0-C4C53556BC02}"/>
+                <a16:creationId xmlns="" xmlns:a16="http://schemas.microsoft.com/office/drawing/2014/main" id="{AF9FD075-AEC5-4137-94C0-C4C53556BC02}"/>
               </a:ext>
             </a:extLst>
           </p:cNvPr>
@@ -3420,7 +3420,7 @@
           <p:cNvPr id="3" name="Content Placeholder 2">
             <a:extLst>
               <a:ext uri="{FF2B5EF4-FFF2-40B4-BE49-F238E27FC236}">
-                <a16:creationId xmlns:a16="http://schemas.microsoft.com/office/drawing/2014/main" xmlns="" id="{D8B275D4-3DA6-4D2A-BF50-7BDA9D9CE988}"/>
+                <a16:creationId xmlns="" xmlns:a16="http://schemas.microsoft.com/office/drawing/2014/main" id="{D8B275D4-3DA6-4D2A-BF50-7BDA9D9CE988}"/>
               </a:ext>
             </a:extLst>
           </p:cNvPr>
@@ -3433,8 +3433,8 @@
         </p:nvSpPr>
         <p:spPr>
           <a:xfrm>
-            <a:off x="0" y="1825625"/>
-            <a:ext cx="9144000" cy="4351338"/>
+            <a:off x="0" y="1369218"/>
+            <a:ext cx="9144000" cy="3263504"/>
           </a:xfrm>
         </p:spPr>
         <p:txBody>
@@ -3543,7 +3543,7 @@
     </p:spTree>
     <p:extLst>
       <p:ext uri="{BB962C8B-B14F-4D97-AF65-F5344CB8AC3E}">
-        <p14:creationId xmlns:p14="http://schemas.microsoft.com/office/powerpoint/2010/main" xmlns="" val="3539661562"/>
+        <p14:creationId xmlns="" xmlns:p14="http://schemas.microsoft.com/office/powerpoint/2010/main" val="3539661562"/>
       </p:ext>
     </p:extLst>
   </p:cSld>
@@ -3575,7 +3575,7 @@
           <p:cNvPr id="2" name="Title 1">
             <a:extLst>
               <a:ext uri="{FF2B5EF4-FFF2-40B4-BE49-F238E27FC236}">
-                <a16:creationId xmlns:a16="http://schemas.microsoft.com/office/drawing/2014/main" xmlns="" id="{AF9FD075-AEC5-4137-94C0-C4C53556BC02}"/>
+                <a16:creationId xmlns="" xmlns:a16="http://schemas.microsoft.com/office/drawing/2014/main" id="{AF9FD075-AEC5-4137-94C0-C4C53556BC02}"/>
               </a:ext>
             </a:extLst>
           </p:cNvPr>
@@ -3617,7 +3617,7 @@
           <p:cNvPr id="3" name="Content Placeholder 2">
             <a:extLst>
               <a:ext uri="{FF2B5EF4-FFF2-40B4-BE49-F238E27FC236}">
-                <a16:creationId xmlns:a16="http://schemas.microsoft.com/office/drawing/2014/main" xmlns="" id="{D8B275D4-3DA6-4D2A-BF50-7BDA9D9CE988}"/>
+                <a16:creationId xmlns="" xmlns:a16="http://schemas.microsoft.com/office/drawing/2014/main" id="{D8B275D4-3DA6-4D2A-BF50-7BDA9D9CE988}"/>
               </a:ext>
             </a:extLst>
           </p:cNvPr>
@@ -3630,8 +3630,8 @@
         </p:nvSpPr>
         <p:spPr>
           <a:xfrm>
-            <a:off x="0" y="1825625"/>
-            <a:ext cx="9144000" cy="4351338"/>
+            <a:off x="0" y="1369218"/>
+            <a:ext cx="9144000" cy="3263504"/>
           </a:xfrm>
         </p:spPr>
         <p:txBody>
@@ -3740,7 +3740,7 @@
     </p:spTree>
     <p:extLst>
       <p:ext uri="{BB962C8B-B14F-4D97-AF65-F5344CB8AC3E}">
-        <p14:creationId xmlns:p14="http://schemas.microsoft.com/office/powerpoint/2010/main" xmlns="" val="850313939"/>
+        <p14:creationId xmlns="" xmlns:p14="http://schemas.microsoft.com/office/powerpoint/2010/main" val="850313939"/>
       </p:ext>
     </p:extLst>
   </p:cSld>
@@ -3772,7 +3772,7 @@
           <p:cNvPr id="2" name="Title 1">
             <a:extLst>
               <a:ext uri="{FF2B5EF4-FFF2-40B4-BE49-F238E27FC236}">
-                <a16:creationId xmlns:a16="http://schemas.microsoft.com/office/drawing/2014/main" xmlns="" id="{AF9FD075-AEC5-4137-94C0-C4C53556BC02}"/>
+                <a16:creationId xmlns="" xmlns:a16="http://schemas.microsoft.com/office/drawing/2014/main" id="{AF9FD075-AEC5-4137-94C0-C4C53556BC02}"/>
               </a:ext>
             </a:extLst>
           </p:cNvPr>
@@ -3814,7 +3814,7 @@
           <p:cNvPr id="3" name="Content Placeholder 2">
             <a:extLst>
               <a:ext uri="{FF2B5EF4-FFF2-40B4-BE49-F238E27FC236}">
-                <a16:creationId xmlns:a16="http://schemas.microsoft.com/office/drawing/2014/main" xmlns="" id="{D8B275D4-3DA6-4D2A-BF50-7BDA9D9CE988}"/>
+                <a16:creationId xmlns="" xmlns:a16="http://schemas.microsoft.com/office/drawing/2014/main" id="{D8B275D4-3DA6-4D2A-BF50-7BDA9D9CE988}"/>
               </a:ext>
             </a:extLst>
           </p:cNvPr>
@@ -3827,8 +3827,8 @@
         </p:nvSpPr>
         <p:spPr>
           <a:xfrm>
-            <a:off x="0" y="1825625"/>
-            <a:ext cx="9144000" cy="4351338"/>
+            <a:off x="0" y="1369218"/>
+            <a:ext cx="9144000" cy="3263504"/>
           </a:xfrm>
         </p:spPr>
         <p:txBody>
@@ -3937,7 +3937,7 @@
     </p:spTree>
     <p:extLst>
       <p:ext uri="{BB962C8B-B14F-4D97-AF65-F5344CB8AC3E}">
-        <p14:creationId xmlns:p14="http://schemas.microsoft.com/office/powerpoint/2010/main" xmlns="" val="1342715696"/>
+        <p14:creationId xmlns="" xmlns:p14="http://schemas.microsoft.com/office/powerpoint/2010/main" val="1342715696"/>
       </p:ext>
     </p:extLst>
   </p:cSld>
@@ -3969,7 +3969,7 @@
           <p:cNvPr id="2" name="Title 1">
             <a:extLst>
               <a:ext uri="{FF2B5EF4-FFF2-40B4-BE49-F238E27FC236}">
-                <a16:creationId xmlns:a16="http://schemas.microsoft.com/office/drawing/2014/main" xmlns="" id="{AF9FD075-AEC5-4137-94C0-C4C53556BC02}"/>
+                <a16:creationId xmlns="" xmlns:a16="http://schemas.microsoft.com/office/drawing/2014/main" id="{AF9FD075-AEC5-4137-94C0-C4C53556BC02}"/>
               </a:ext>
             </a:extLst>
           </p:cNvPr>
@@ -4011,7 +4011,7 @@
           <p:cNvPr id="3" name="Content Placeholder 2">
             <a:extLst>
               <a:ext uri="{FF2B5EF4-FFF2-40B4-BE49-F238E27FC236}">
-                <a16:creationId xmlns:a16="http://schemas.microsoft.com/office/drawing/2014/main" xmlns="" id="{D8B275D4-3DA6-4D2A-BF50-7BDA9D9CE988}"/>
+                <a16:creationId xmlns="" xmlns:a16="http://schemas.microsoft.com/office/drawing/2014/main" id="{D8B275D4-3DA6-4D2A-BF50-7BDA9D9CE988}"/>
               </a:ext>
             </a:extLst>
           </p:cNvPr>
@@ -4024,8 +4024,8 @@
         </p:nvSpPr>
         <p:spPr>
           <a:xfrm>
-            <a:off x="0" y="1825625"/>
-            <a:ext cx="9144000" cy="4351338"/>
+            <a:off x="0" y="1369218"/>
+            <a:ext cx="9144000" cy="3263504"/>
           </a:xfrm>
         </p:spPr>
         <p:txBody>
@@ -4134,7 +4134,7 @@
     </p:spTree>
     <p:extLst>
       <p:ext uri="{BB962C8B-B14F-4D97-AF65-F5344CB8AC3E}">
-        <p14:creationId xmlns:p14="http://schemas.microsoft.com/office/powerpoint/2010/main" xmlns="" val="2270809156"/>
+        <p14:creationId xmlns="" xmlns:p14="http://schemas.microsoft.com/office/powerpoint/2010/main" val="2270809156"/>
       </p:ext>
     </p:extLst>
   </p:cSld>
@@ -4166,7 +4166,7 @@
           <p:cNvPr id="2" name="Title 1">
             <a:extLst>
               <a:ext uri="{FF2B5EF4-FFF2-40B4-BE49-F238E27FC236}">
-                <a16:creationId xmlns:a16="http://schemas.microsoft.com/office/drawing/2014/main" xmlns="" id="{AF9FD075-AEC5-4137-94C0-C4C53556BC02}"/>
+                <a16:creationId xmlns="" xmlns:a16="http://schemas.microsoft.com/office/drawing/2014/main" id="{AF9FD075-AEC5-4137-94C0-C4C53556BC02}"/>
               </a:ext>
             </a:extLst>
           </p:cNvPr>
@@ -4208,7 +4208,7 @@
           <p:cNvPr id="3" name="Content Placeholder 2">
             <a:extLst>
               <a:ext uri="{FF2B5EF4-FFF2-40B4-BE49-F238E27FC236}">
-                <a16:creationId xmlns:a16="http://schemas.microsoft.com/office/drawing/2014/main" xmlns="" id="{D8B275D4-3DA6-4D2A-BF50-7BDA9D9CE988}"/>
+                <a16:creationId xmlns="" xmlns:a16="http://schemas.microsoft.com/office/drawing/2014/main" id="{D8B275D4-3DA6-4D2A-BF50-7BDA9D9CE988}"/>
               </a:ext>
             </a:extLst>
           </p:cNvPr>
@@ -4221,8 +4221,8 @@
         </p:nvSpPr>
         <p:spPr>
           <a:xfrm>
-            <a:off x="0" y="1825625"/>
-            <a:ext cx="9144000" cy="4351338"/>
+            <a:off x="0" y="1369218"/>
+            <a:ext cx="9144000" cy="3263504"/>
           </a:xfrm>
         </p:spPr>
         <p:txBody>
@@ -4331,7 +4331,7 @@
     </p:spTree>
     <p:extLst>
       <p:ext uri="{BB962C8B-B14F-4D97-AF65-F5344CB8AC3E}">
-        <p14:creationId xmlns:p14="http://schemas.microsoft.com/office/powerpoint/2010/main" xmlns="" val="1177035420"/>
+        <p14:creationId xmlns="" xmlns:p14="http://schemas.microsoft.com/office/powerpoint/2010/main" val="1177035420"/>
       </p:ext>
     </p:extLst>
   </p:cSld>
